--- a/Coursework 1/CSCM38- Adv Topics – Cyber Security and Ai Project Proposal.pptx
+++ b/Coursework 1/CSCM38- Adv Topics – Cyber Security and Ai Project Proposal.pptx
@@ -20319,7 +20319,7 @@
           <a:p>
             <a:fld id="{7C3D13FE-AEEA-8344-BA24-FB9FEB684507}" type="datetimeFigureOut">
               <a:rPr lang="en-GB" smtClean="0"/>
-              <a:t>08/11/2020</a:t>
+              <a:t>09/11/2020</a:t>
             </a:fld>
             <a:endParaRPr lang="en-GB"/>
           </a:p>
@@ -20517,7 +20517,7 @@
           <a:p>
             <a:fld id="{7C3D13FE-AEEA-8344-BA24-FB9FEB684507}" type="datetimeFigureOut">
               <a:rPr lang="en-GB" smtClean="0"/>
-              <a:t>08/11/2020</a:t>
+              <a:t>09/11/2020</a:t>
             </a:fld>
             <a:endParaRPr lang="en-GB"/>
           </a:p>
@@ -20725,7 +20725,7 @@
           <a:p>
             <a:fld id="{7C3D13FE-AEEA-8344-BA24-FB9FEB684507}" type="datetimeFigureOut">
               <a:rPr lang="en-GB" smtClean="0"/>
-              <a:t>08/11/2020</a:t>
+              <a:t>09/11/2020</a:t>
             </a:fld>
             <a:endParaRPr lang="en-GB"/>
           </a:p>
@@ -20923,7 +20923,7 @@
           <a:p>
             <a:fld id="{7C3D13FE-AEEA-8344-BA24-FB9FEB684507}" type="datetimeFigureOut">
               <a:rPr lang="en-GB" smtClean="0"/>
-              <a:t>08/11/2020</a:t>
+              <a:t>09/11/2020</a:t>
             </a:fld>
             <a:endParaRPr lang="en-GB"/>
           </a:p>
@@ -21198,7 +21198,7 @@
           <a:p>
             <a:fld id="{7C3D13FE-AEEA-8344-BA24-FB9FEB684507}" type="datetimeFigureOut">
               <a:rPr lang="en-GB" smtClean="0"/>
-              <a:t>08/11/2020</a:t>
+              <a:t>09/11/2020</a:t>
             </a:fld>
             <a:endParaRPr lang="en-GB"/>
           </a:p>
@@ -21463,7 +21463,7 @@
           <a:p>
             <a:fld id="{7C3D13FE-AEEA-8344-BA24-FB9FEB684507}" type="datetimeFigureOut">
               <a:rPr lang="en-GB" smtClean="0"/>
-              <a:t>08/11/2020</a:t>
+              <a:t>09/11/2020</a:t>
             </a:fld>
             <a:endParaRPr lang="en-GB"/>
           </a:p>
@@ -21875,7 +21875,7 @@
           <a:p>
             <a:fld id="{7C3D13FE-AEEA-8344-BA24-FB9FEB684507}" type="datetimeFigureOut">
               <a:rPr lang="en-GB" smtClean="0"/>
-              <a:t>08/11/2020</a:t>
+              <a:t>09/11/2020</a:t>
             </a:fld>
             <a:endParaRPr lang="en-GB"/>
           </a:p>
@@ -22016,7 +22016,7 @@
           <a:p>
             <a:fld id="{7C3D13FE-AEEA-8344-BA24-FB9FEB684507}" type="datetimeFigureOut">
               <a:rPr lang="en-GB" smtClean="0"/>
-              <a:t>08/11/2020</a:t>
+              <a:t>09/11/2020</a:t>
             </a:fld>
             <a:endParaRPr lang="en-GB"/>
           </a:p>
@@ -22129,7 +22129,7 @@
           <a:p>
             <a:fld id="{7C3D13FE-AEEA-8344-BA24-FB9FEB684507}" type="datetimeFigureOut">
               <a:rPr lang="en-GB" smtClean="0"/>
-              <a:t>08/11/2020</a:t>
+              <a:t>09/11/2020</a:t>
             </a:fld>
             <a:endParaRPr lang="en-GB"/>
           </a:p>
@@ -22440,7 +22440,7 @@
           <a:p>
             <a:fld id="{7C3D13FE-AEEA-8344-BA24-FB9FEB684507}" type="datetimeFigureOut">
               <a:rPr lang="en-GB" smtClean="0"/>
-              <a:t>08/11/2020</a:t>
+              <a:t>09/11/2020</a:t>
             </a:fld>
             <a:endParaRPr lang="en-GB"/>
           </a:p>
@@ -22728,7 +22728,7 @@
           <a:p>
             <a:fld id="{7C3D13FE-AEEA-8344-BA24-FB9FEB684507}" type="datetimeFigureOut">
               <a:rPr lang="en-GB" smtClean="0"/>
-              <a:t>08/11/2020</a:t>
+              <a:t>09/11/2020</a:t>
             </a:fld>
             <a:endParaRPr lang="en-GB"/>
           </a:p>
@@ -22969,7 +22969,7 @@
           <a:p>
             <a:fld id="{7C3D13FE-AEEA-8344-BA24-FB9FEB684507}" type="datetimeFigureOut">
               <a:rPr lang="en-GB" smtClean="0"/>
-              <a:t>08/11/2020</a:t>
+              <a:t>09/11/2020</a:t>
             </a:fld>
             <a:endParaRPr lang="en-GB"/>
           </a:p>
@@ -26295,7 +26295,33 @@
                   <a:srgbClr val="000000"/>
                 </a:solidFill>
               </a:rPr>
-              <a:t>With the literature depicting that it’s a fine margin between the two, we want to test them out on a real world problem</a:t>
+              <a:t>With the literature depicting that it’s a fine margin between the two RNN cells we intend to use</a:t>
+            </a:r>
+          </a:p>
+          <a:p>
+            <a:r>
+              <a:rPr lang="en-GB" sz="2000" dirty="0">
+                <a:solidFill>
+                  <a:srgbClr val="000000"/>
+                </a:solidFill>
+              </a:rPr>
+              <a:t>Therefore we want to test out these cells on a real world problem to determine which cell would </a:t>
+            </a:r>
+            <a:r>
+              <a:rPr lang="en-GB" sz="2000" dirty="0" err="1">
+                <a:solidFill>
+                  <a:srgbClr val="000000"/>
+                </a:solidFill>
+              </a:rPr>
+              <a:t>peform</a:t>
+            </a:r>
+            <a:r>
+              <a:rPr lang="en-GB" sz="2000" dirty="0">
+                <a:solidFill>
+                  <a:srgbClr val="000000"/>
+                </a:solidFill>
+              </a:rPr>
+              <a:t> better for the required task</a:t>
             </a:r>
           </a:p>
           <a:p>
@@ -26550,6 +26576,55 @@
                                           <p:spTgt spid="3">
                                             <p:txEl>
                                               <p:pRg st="4" end="4"/>
+                                            </p:txEl>
+                                          </p:spTgt>
+                                        </p:tgtEl>
+                                        <p:attrNameLst>
+                                          <p:attrName>style.visibility</p:attrName>
+                                        </p:attrNameLst>
+                                      </p:cBhvr>
+                                      <p:to>
+                                        <p:strVal val="visible"/>
+                                      </p:to>
+                                    </p:set>
+                                  </p:childTnLst>
+                                </p:cTn>
+                              </p:par>
+                            </p:childTnLst>
+                          </p:cTn>
+                        </p:par>
+                      </p:childTnLst>
+                    </p:cTn>
+                  </p:par>
+                  <p:par>
+                    <p:cTn id="23" fill="hold">
+                      <p:stCondLst>
+                        <p:cond delay="indefinite"/>
+                      </p:stCondLst>
+                      <p:childTnLst>
+                        <p:par>
+                          <p:cTn id="24" fill="hold">
+                            <p:stCondLst>
+                              <p:cond delay="0"/>
+                            </p:stCondLst>
+                            <p:childTnLst>
+                              <p:par>
+                                <p:cTn id="25" presetID="1" presetClass="entr" presetSubtype="0" fill="hold" nodeType="clickEffect">
+                                  <p:stCondLst>
+                                    <p:cond delay="0"/>
+                                  </p:stCondLst>
+                                  <p:childTnLst>
+                                    <p:set>
+                                      <p:cBhvr>
+                                        <p:cTn id="26" dur="1" fill="hold">
+                                          <p:stCondLst>
+                                            <p:cond delay="0"/>
+                                          </p:stCondLst>
+                                        </p:cTn>
+                                        <p:tgtEl>
+                                          <p:spTgt spid="3">
+                                            <p:txEl>
+                                              <p:pRg st="5" end="5"/>
                                             </p:txEl>
                                           </p:spTgt>
                                         </p:tgtEl>
@@ -27091,51 +27166,7 @@
                   <a:srgbClr val="000000"/>
                 </a:solidFill>
               </a:rPr>
-              <a:t>We will be using several metrics: </a:t>
-            </a:r>
-          </a:p>
-          <a:p>
-            <a:pPr lvl="1"/>
-            <a:r>
-              <a:rPr lang="en-GB" sz="1600" dirty="0">
-                <a:solidFill>
-                  <a:srgbClr val="000000"/>
-                </a:solidFill>
-              </a:rPr>
-              <a:t>The time it takes to train the network</a:t>
-            </a:r>
-          </a:p>
-          <a:p>
-            <a:pPr lvl="1"/>
-            <a:r>
-              <a:rPr lang="en-GB" sz="1600" dirty="0">
-                <a:solidFill>
-                  <a:srgbClr val="000000"/>
-                </a:solidFill>
-              </a:rPr>
-              <a:t>The training loss </a:t>
-            </a:r>
-          </a:p>
-          <a:p>
-            <a:pPr lvl="1"/>
-            <a:r>
-              <a:rPr lang="en-GB" sz="1600" dirty="0">
-                <a:solidFill>
-                  <a:srgbClr val="000000"/>
-                </a:solidFill>
-              </a:rPr>
-              <a:t>Validation loss values</a:t>
-            </a:r>
-          </a:p>
-          <a:p>
-            <a:pPr lvl="1"/>
-            <a:r>
-              <a:rPr lang="en-GB" sz="1600" dirty="0">
-                <a:solidFill>
-                  <a:srgbClr val="000000"/>
-                </a:solidFill>
-              </a:rPr>
-              <a:t>Confusion matrix</a:t>
+              <a:t>We will be using several metrics</a:t>
             </a:r>
           </a:p>
           <a:p>
@@ -27200,8 +27231,8 @@
         </p:blipFill>
         <p:spPr>
           <a:xfrm>
-            <a:off x="9713712" y="3314197"/>
-            <a:ext cx="1888675" cy="2323070"/>
+            <a:off x="9740332" y="2978923"/>
+            <a:ext cx="1529723" cy="1881559"/>
           </a:xfrm>
           <a:prstGeom prst="rect">
             <a:avLst/>
@@ -27584,251 +27615,6 @@
                                           <p:spTgt spid="3">
                                             <p:txEl>
                                               <p:pRg st="6" end="6"/>
-                                            </p:txEl>
-                                          </p:spTgt>
-                                        </p:tgtEl>
-                                        <p:attrNameLst>
-                                          <p:attrName>style.visibility</p:attrName>
-                                        </p:attrNameLst>
-                                      </p:cBhvr>
-                                      <p:to>
-                                        <p:strVal val="visible"/>
-                                      </p:to>
-                                    </p:set>
-                                  </p:childTnLst>
-                                </p:cTn>
-                              </p:par>
-                            </p:childTnLst>
-                          </p:cTn>
-                        </p:par>
-                      </p:childTnLst>
-                    </p:cTn>
-                  </p:par>
-                  <p:par>
-                    <p:cTn id="31" fill="hold">
-                      <p:stCondLst>
-                        <p:cond delay="indefinite"/>
-                      </p:stCondLst>
-                      <p:childTnLst>
-                        <p:par>
-                          <p:cTn id="32" fill="hold">
-                            <p:stCondLst>
-                              <p:cond delay="0"/>
-                            </p:stCondLst>
-                            <p:childTnLst>
-                              <p:par>
-                                <p:cTn id="33" presetID="1" presetClass="entr" presetSubtype="0" fill="hold" nodeType="clickEffect">
-                                  <p:stCondLst>
-                                    <p:cond delay="0"/>
-                                  </p:stCondLst>
-                                  <p:childTnLst>
-                                    <p:set>
-                                      <p:cBhvr>
-                                        <p:cTn id="34" dur="1" fill="hold">
-                                          <p:stCondLst>
-                                            <p:cond delay="0"/>
-                                          </p:stCondLst>
-                                        </p:cTn>
-                                        <p:tgtEl>
-                                          <p:spTgt spid="3">
-                                            <p:txEl>
-                                              <p:pRg st="7" end="7"/>
-                                            </p:txEl>
-                                          </p:spTgt>
-                                        </p:tgtEl>
-                                        <p:attrNameLst>
-                                          <p:attrName>style.visibility</p:attrName>
-                                        </p:attrNameLst>
-                                      </p:cBhvr>
-                                      <p:to>
-                                        <p:strVal val="visible"/>
-                                      </p:to>
-                                    </p:set>
-                                  </p:childTnLst>
-                                </p:cTn>
-                              </p:par>
-                            </p:childTnLst>
-                          </p:cTn>
-                        </p:par>
-                      </p:childTnLst>
-                    </p:cTn>
-                  </p:par>
-                  <p:par>
-                    <p:cTn id="35" fill="hold">
-                      <p:stCondLst>
-                        <p:cond delay="indefinite"/>
-                      </p:stCondLst>
-                      <p:childTnLst>
-                        <p:par>
-                          <p:cTn id="36" fill="hold">
-                            <p:stCondLst>
-                              <p:cond delay="0"/>
-                            </p:stCondLst>
-                            <p:childTnLst>
-                              <p:par>
-                                <p:cTn id="37" presetID="1" presetClass="entr" presetSubtype="0" fill="hold" nodeType="clickEffect">
-                                  <p:stCondLst>
-                                    <p:cond delay="0"/>
-                                  </p:stCondLst>
-                                  <p:childTnLst>
-                                    <p:set>
-                                      <p:cBhvr>
-                                        <p:cTn id="38" dur="1" fill="hold">
-                                          <p:stCondLst>
-                                            <p:cond delay="0"/>
-                                          </p:stCondLst>
-                                        </p:cTn>
-                                        <p:tgtEl>
-                                          <p:spTgt spid="3">
-                                            <p:txEl>
-                                              <p:pRg st="7" end="7"/>
-                                            </p:txEl>
-                                          </p:spTgt>
-                                        </p:tgtEl>
-                                        <p:attrNameLst>
-                                          <p:attrName>style.visibility</p:attrName>
-                                        </p:attrNameLst>
-                                      </p:cBhvr>
-                                      <p:to>
-                                        <p:strVal val="visible"/>
-                                      </p:to>
-                                    </p:set>
-                                  </p:childTnLst>
-                                </p:cTn>
-                              </p:par>
-                            </p:childTnLst>
-                          </p:cTn>
-                        </p:par>
-                      </p:childTnLst>
-                    </p:cTn>
-                  </p:par>
-                  <p:par>
-                    <p:cTn id="39" fill="hold">
-                      <p:stCondLst>
-                        <p:cond delay="indefinite"/>
-                      </p:stCondLst>
-                      <p:childTnLst>
-                        <p:par>
-                          <p:cTn id="40" fill="hold">
-                            <p:stCondLst>
-                              <p:cond delay="0"/>
-                            </p:stCondLst>
-                            <p:childTnLst>
-                              <p:par>
-                                <p:cTn id="41" presetID="1" presetClass="entr" presetSubtype="0" fill="hold" nodeType="clickEffect">
-                                  <p:stCondLst>
-                                    <p:cond delay="0"/>
-                                  </p:stCondLst>
-                                  <p:childTnLst>
-                                    <p:set>
-                                      <p:cBhvr>
-                                        <p:cTn id="42" dur="1" fill="hold">
-                                          <p:stCondLst>
-                                            <p:cond delay="0"/>
-                                          </p:stCondLst>
-                                        </p:cTn>
-                                        <p:tgtEl>
-                                          <p:spTgt spid="3">
-                                            <p:txEl>
-                                              <p:pRg st="8" end="8"/>
-                                            </p:txEl>
-                                          </p:spTgt>
-                                        </p:tgtEl>
-                                        <p:attrNameLst>
-                                          <p:attrName>style.visibility</p:attrName>
-                                        </p:attrNameLst>
-                                      </p:cBhvr>
-                                      <p:to>
-                                        <p:strVal val="visible"/>
-                                      </p:to>
-                                    </p:set>
-                                  </p:childTnLst>
-                                </p:cTn>
-                              </p:par>
-                            </p:childTnLst>
-                          </p:cTn>
-                        </p:par>
-                      </p:childTnLst>
-                    </p:cTn>
-                  </p:par>
-                  <p:par>
-                    <p:cTn id="43" fill="hold">
-                      <p:stCondLst>
-                        <p:cond delay="indefinite"/>
-                      </p:stCondLst>
-                      <p:childTnLst>
-                        <p:par>
-                          <p:cTn id="44" fill="hold">
-                            <p:stCondLst>
-                              <p:cond delay="0"/>
-                            </p:stCondLst>
-                            <p:childTnLst>
-                              <p:par>
-                                <p:cTn id="45" presetID="1" presetClass="entr" presetSubtype="0" fill="hold" nodeType="clickEffect">
-                                  <p:stCondLst>
-                                    <p:cond delay="0"/>
-                                  </p:stCondLst>
-                                  <p:childTnLst>
-                                    <p:set>
-                                      <p:cBhvr>
-                                        <p:cTn id="46" dur="1" fill="hold">
-                                          <p:stCondLst>
-                                            <p:cond delay="0"/>
-                                          </p:stCondLst>
-                                        </p:cTn>
-                                        <p:tgtEl>
-                                          <p:spTgt spid="3">
-                                            <p:txEl>
-                                              <p:pRg st="9" end="9"/>
-                                            </p:txEl>
-                                          </p:spTgt>
-                                        </p:tgtEl>
-                                        <p:attrNameLst>
-                                          <p:attrName>style.visibility</p:attrName>
-                                        </p:attrNameLst>
-                                      </p:cBhvr>
-                                      <p:to>
-                                        <p:strVal val="visible"/>
-                                      </p:to>
-                                    </p:set>
-                                  </p:childTnLst>
-                                </p:cTn>
-                              </p:par>
-                            </p:childTnLst>
-                          </p:cTn>
-                        </p:par>
-                      </p:childTnLst>
-                    </p:cTn>
-                  </p:par>
-                  <p:par>
-                    <p:cTn id="47" fill="hold">
-                      <p:stCondLst>
-                        <p:cond delay="indefinite"/>
-                      </p:stCondLst>
-                      <p:childTnLst>
-                        <p:par>
-                          <p:cTn id="48" fill="hold">
-                            <p:stCondLst>
-                              <p:cond delay="0"/>
-                            </p:stCondLst>
-                            <p:childTnLst>
-                              <p:par>
-                                <p:cTn id="49" presetID="1" presetClass="entr" presetSubtype="0" fill="hold" nodeType="clickEffect">
-                                  <p:stCondLst>
-                                    <p:cond delay="0"/>
-                                  </p:stCondLst>
-                                  <p:childTnLst>
-                                    <p:set>
-                                      <p:cBhvr>
-                                        <p:cTn id="50" dur="1" fill="hold">
-                                          <p:stCondLst>
-                                            <p:cond delay="0"/>
-                                          </p:stCondLst>
-                                        </p:cTn>
-                                        <p:tgtEl>
-                                          <p:spTgt spid="3">
-                                            <p:txEl>
-                                              <p:pRg st="10" end="10"/>
                                             </p:txEl>
                                           </p:spTgt>
                                         </p:tgtEl>
@@ -28272,8 +28058,8 @@
         </p:nvSpPr>
         <p:spPr>
           <a:xfrm>
-            <a:off x="804997" y="2272143"/>
-            <a:ext cx="4706803" cy="3788830"/>
+            <a:off x="804997" y="2272142"/>
+            <a:ext cx="4706803" cy="4170221"/>
           </a:xfrm>
         </p:spPr>
         <p:txBody>
@@ -28282,6 +28068,9 @@
           </a:bodyPr>
           <a:lstStyle/>
           <a:p>
+            <a:pPr marL="0" indent="0">
+              <a:buNone/>
+            </a:pPr>
             <a:r>
               <a:rPr lang="en-GB" sz="2000" dirty="0">
                 <a:solidFill>
@@ -28378,6 +28167,26 @@
                 </a:solidFill>
               </a:rPr>
               <a:t>: some features and attributes might be removed in pre-processing of the data </a:t>
+            </a:r>
+          </a:p>
+          <a:p>
+            <a:r>
+              <a:rPr lang="en-GB" sz="2000" dirty="0">
+                <a:solidFill>
+                  <a:schemeClr val="accent6">
+                    <a:lumMod val="75000"/>
+                  </a:schemeClr>
+                </a:solidFill>
+              </a:rPr>
+              <a:t>Goal</a:t>
+            </a:r>
+            <a:r>
+              <a:rPr lang="en-GB" sz="2000" dirty="0">
+                <a:solidFill>
+                  <a:srgbClr val="000000"/>
+                </a:solidFill>
+              </a:rPr>
+              <a:t>: To predict if the tweet is about a real disaster or not</a:t>
             </a:r>
           </a:p>
         </p:txBody>
@@ -28853,6 +28662,104 @@
                                           <p:spTgt spid="3">
                                             <p:txEl>
                                               <p:pRg st="8" end="8"/>
+                                            </p:txEl>
+                                          </p:spTgt>
+                                        </p:tgtEl>
+                                        <p:attrNameLst>
+                                          <p:attrName>style.visibility</p:attrName>
+                                        </p:attrNameLst>
+                                      </p:cBhvr>
+                                      <p:to>
+                                        <p:strVal val="visible"/>
+                                      </p:to>
+                                    </p:set>
+                                  </p:childTnLst>
+                                </p:cTn>
+                              </p:par>
+                            </p:childTnLst>
+                          </p:cTn>
+                        </p:par>
+                      </p:childTnLst>
+                    </p:cTn>
+                  </p:par>
+                  <p:par>
+                    <p:cTn id="35" fill="hold">
+                      <p:stCondLst>
+                        <p:cond delay="indefinite"/>
+                      </p:stCondLst>
+                      <p:childTnLst>
+                        <p:par>
+                          <p:cTn id="36" fill="hold">
+                            <p:stCondLst>
+                              <p:cond delay="0"/>
+                            </p:stCondLst>
+                            <p:childTnLst>
+                              <p:par>
+                                <p:cTn id="37" presetID="1" presetClass="entr" presetSubtype="0" fill="hold" nodeType="clickEffect">
+                                  <p:stCondLst>
+                                    <p:cond delay="0"/>
+                                  </p:stCondLst>
+                                  <p:childTnLst>
+                                    <p:set>
+                                      <p:cBhvr>
+                                        <p:cTn id="38" dur="1" fill="hold">
+                                          <p:stCondLst>
+                                            <p:cond delay="0"/>
+                                          </p:stCondLst>
+                                        </p:cTn>
+                                        <p:tgtEl>
+                                          <p:spTgt spid="3">
+                                            <p:txEl>
+                                              <p:pRg st="9" end="9"/>
+                                            </p:txEl>
+                                          </p:spTgt>
+                                        </p:tgtEl>
+                                        <p:attrNameLst>
+                                          <p:attrName>style.visibility</p:attrName>
+                                        </p:attrNameLst>
+                                      </p:cBhvr>
+                                      <p:to>
+                                        <p:strVal val="visible"/>
+                                      </p:to>
+                                    </p:set>
+                                  </p:childTnLst>
+                                </p:cTn>
+                              </p:par>
+                            </p:childTnLst>
+                          </p:cTn>
+                        </p:par>
+                      </p:childTnLst>
+                    </p:cTn>
+                  </p:par>
+                  <p:par>
+                    <p:cTn id="39" fill="hold">
+                      <p:stCondLst>
+                        <p:cond delay="indefinite"/>
+                      </p:stCondLst>
+                      <p:childTnLst>
+                        <p:par>
+                          <p:cTn id="40" fill="hold">
+                            <p:stCondLst>
+                              <p:cond delay="0"/>
+                            </p:stCondLst>
+                            <p:childTnLst>
+                              <p:par>
+                                <p:cTn id="41" presetID="1" presetClass="entr" presetSubtype="0" fill="hold" nodeType="clickEffect">
+                                  <p:stCondLst>
+                                    <p:cond delay="0"/>
+                                  </p:stCondLst>
+                                  <p:childTnLst>
+                                    <p:set>
+                                      <p:cBhvr>
+                                        <p:cTn id="42" dur="1" fill="hold">
+                                          <p:stCondLst>
+                                            <p:cond delay="0"/>
+                                          </p:stCondLst>
+                                        </p:cTn>
+                                        <p:tgtEl>
+                                          <p:spTgt spid="3">
+                                            <p:txEl>
+                                              <p:pRg st="9" end="9"/>
                                             </p:txEl>
                                           </p:spTgt>
                                         </p:tgtEl>
